--- a/src/_ppt/ch15.pptx
+++ b/src/_ppt/ch15.pptx
@@ -5,20 +5,19 @@
     <p:sldMasterId id="2147483648" r:id="rId1"/>
   </p:sldMasterIdLst>
   <p:notesMasterIdLst>
-    <p:notesMasterId r:id="rId10"/>
+    <p:notesMasterId r:id="rId9"/>
   </p:notesMasterIdLst>
   <p:handoutMasterIdLst>
-    <p:handoutMasterId r:id="rId11"/>
+    <p:handoutMasterId r:id="rId10"/>
   </p:handoutMasterIdLst>
   <p:sldIdLst>
     <p:sldId id="262" r:id="rId2"/>
     <p:sldId id="323" r:id="rId3"/>
-    <p:sldId id="331" r:id="rId4"/>
-    <p:sldId id="332" r:id="rId5"/>
-    <p:sldId id="324" r:id="rId6"/>
-    <p:sldId id="325" r:id="rId7"/>
-    <p:sldId id="333" r:id="rId8"/>
-    <p:sldId id="327" r:id="rId9"/>
+    <p:sldId id="324" r:id="rId4"/>
+    <p:sldId id="325" r:id="rId5"/>
+    <p:sldId id="333" r:id="rId6"/>
+    <p:sldId id="334" r:id="rId7"/>
+    <p:sldId id="327" r:id="rId8"/>
   </p:sldIdLst>
   <p:sldSz cx="9144000" cy="6858000" type="screen4x3"/>
   <p:notesSz cx="6858000" cy="9144000"/>
@@ -823,7 +822,7 @@
     </p:spTree>
     <p:extLst>
       <p:ext uri="{BB962C8B-B14F-4D97-AF65-F5344CB8AC3E}">
-        <p14:creationId xmlns:p14="http://schemas.microsoft.com/office/powerpoint/2010/main" val="4141871239"/>
+        <p14:creationId xmlns:p14="http://schemas.microsoft.com/office/powerpoint/2010/main" val="3979986194"/>
       </p:ext>
     </p:extLst>
   </p:cSld>
@@ -898,175 +897,7 @@
           <a:p>
             <a:fld id="{F9FBCD24-FD72-452C-8969-09628A5F2BDD}" type="slidenum">
               <a:rPr lang="ko-KR" altLang="en-US" smtClean="0"/>
-              <a:t>4</a:t>
-            </a:fld>
-            <a:endParaRPr lang="ko-KR" altLang="en-US"/>
-          </a:p>
-        </p:txBody>
-      </p:sp>
-    </p:spTree>
-    <p:extLst>
-      <p:ext uri="{BB962C8B-B14F-4D97-AF65-F5344CB8AC3E}">
-        <p14:creationId xmlns:p14="http://schemas.microsoft.com/office/powerpoint/2010/main" val="4141871239"/>
-      </p:ext>
-    </p:extLst>
-  </p:cSld>
-  <p:clrMapOvr>
-    <a:masterClrMapping/>
-  </p:clrMapOvr>
-</p:notes>
-</file>
-
-<file path=ppt/notesSlides/notesSlide4.xml><?xml version="1.0" encoding="utf-8"?>
-<p:notes xmlns:a="http://schemas.openxmlformats.org/drawingml/2006/main" xmlns:r="http://schemas.openxmlformats.org/officeDocument/2006/relationships" xmlns:p="http://schemas.openxmlformats.org/presentationml/2006/main">
-  <p:cSld>
-    <p:spTree>
-      <p:nvGrpSpPr>
-        <p:cNvPr id="1" name=""/>
-        <p:cNvGrpSpPr/>
-        <p:nvPr/>
-      </p:nvGrpSpPr>
-      <p:grpSpPr>
-        <a:xfrm>
-          <a:off x="0" y="0"/>
-          <a:ext cx="0" cy="0"/>
-          <a:chOff x="0" y="0"/>
-          <a:chExt cx="0" cy="0"/>
-        </a:xfrm>
-      </p:grpSpPr>
-      <p:sp>
-        <p:nvSpPr>
-          <p:cNvPr id="2" name="슬라이드 이미지 개체 틀 1"/>
-          <p:cNvSpPr>
-            <a:spLocks noGrp="1" noRot="1" noChangeAspect="1"/>
-          </p:cNvSpPr>
-          <p:nvPr>
-            <p:ph type="sldImg"/>
-          </p:nvPr>
-        </p:nvSpPr>
-        <p:spPr/>
-      </p:sp>
-      <p:sp>
-        <p:nvSpPr>
-          <p:cNvPr id="3" name="슬라이드 노트 개체 틀 2"/>
-          <p:cNvSpPr>
-            <a:spLocks noGrp="1"/>
-          </p:cNvSpPr>
-          <p:nvPr>
-            <p:ph type="body" idx="1"/>
-          </p:nvPr>
-        </p:nvSpPr>
-        <p:spPr/>
-        <p:txBody>
-          <a:bodyPr/>
-          <a:lstStyle/>
-          <a:p>
-            <a:endParaRPr lang="ko-KR" altLang="en-US" dirty="0"/>
-          </a:p>
-        </p:txBody>
-      </p:sp>
-      <p:sp>
-        <p:nvSpPr>
-          <p:cNvPr id="4" name="슬라이드 번호 개체 틀 3"/>
-          <p:cNvSpPr>
-            <a:spLocks noGrp="1"/>
-          </p:cNvSpPr>
-          <p:nvPr>
-            <p:ph type="sldNum" sz="quarter" idx="10"/>
-          </p:nvPr>
-        </p:nvSpPr>
-        <p:spPr/>
-        <p:txBody>
-          <a:bodyPr/>
-          <a:lstStyle/>
-          <a:p>
-            <a:fld id="{F9FBCD24-FD72-452C-8969-09628A5F2BDD}" type="slidenum">
-              <a:rPr lang="ko-KR" altLang="en-US" smtClean="0"/>
-              <a:t>5</a:t>
-            </a:fld>
-            <a:endParaRPr lang="ko-KR" altLang="en-US"/>
-          </a:p>
-        </p:txBody>
-      </p:sp>
-    </p:spTree>
-    <p:extLst>
-      <p:ext uri="{BB962C8B-B14F-4D97-AF65-F5344CB8AC3E}">
-        <p14:creationId xmlns:p14="http://schemas.microsoft.com/office/powerpoint/2010/main" val="3979986194"/>
-      </p:ext>
-    </p:extLst>
-  </p:cSld>
-  <p:clrMapOvr>
-    <a:masterClrMapping/>
-  </p:clrMapOvr>
-</p:notes>
-</file>
-
-<file path=ppt/notesSlides/notesSlide5.xml><?xml version="1.0" encoding="utf-8"?>
-<p:notes xmlns:a="http://schemas.openxmlformats.org/drawingml/2006/main" xmlns:r="http://schemas.openxmlformats.org/officeDocument/2006/relationships" xmlns:p="http://schemas.openxmlformats.org/presentationml/2006/main">
-  <p:cSld>
-    <p:spTree>
-      <p:nvGrpSpPr>
-        <p:cNvPr id="1" name=""/>
-        <p:cNvGrpSpPr/>
-        <p:nvPr/>
-      </p:nvGrpSpPr>
-      <p:grpSpPr>
-        <a:xfrm>
-          <a:off x="0" y="0"/>
-          <a:ext cx="0" cy="0"/>
-          <a:chOff x="0" y="0"/>
-          <a:chExt cx="0" cy="0"/>
-        </a:xfrm>
-      </p:grpSpPr>
-      <p:sp>
-        <p:nvSpPr>
-          <p:cNvPr id="2" name="슬라이드 이미지 개체 틀 1"/>
-          <p:cNvSpPr>
-            <a:spLocks noGrp="1" noRot="1" noChangeAspect="1"/>
-          </p:cNvSpPr>
-          <p:nvPr>
-            <p:ph type="sldImg"/>
-          </p:nvPr>
-        </p:nvSpPr>
-        <p:spPr/>
-      </p:sp>
-      <p:sp>
-        <p:nvSpPr>
-          <p:cNvPr id="3" name="슬라이드 노트 개체 틀 2"/>
-          <p:cNvSpPr>
-            <a:spLocks noGrp="1"/>
-          </p:cNvSpPr>
-          <p:nvPr>
-            <p:ph type="body" idx="1"/>
-          </p:nvPr>
-        </p:nvSpPr>
-        <p:spPr/>
-        <p:txBody>
-          <a:bodyPr/>
-          <a:lstStyle/>
-          <a:p>
-            <a:endParaRPr lang="ko-KR" altLang="en-US" dirty="0"/>
-          </a:p>
-        </p:txBody>
-      </p:sp>
-      <p:sp>
-        <p:nvSpPr>
-          <p:cNvPr id="4" name="슬라이드 번호 개체 틀 3"/>
-          <p:cNvSpPr>
-            <a:spLocks noGrp="1"/>
-          </p:cNvSpPr>
-          <p:nvPr>
-            <p:ph type="sldNum" sz="quarter" idx="10"/>
-          </p:nvPr>
-        </p:nvSpPr>
-        <p:spPr/>
-        <p:txBody>
-          <a:bodyPr/>
-          <a:lstStyle/>
-          <a:p>
-            <a:fld id="{F9FBCD24-FD72-452C-8969-09628A5F2BDD}" type="slidenum">
-              <a:rPr lang="ko-KR" altLang="en-US" smtClean="0"/>
-              <a:t>8</a:t>
+              <a:t>7</a:t>
             </a:fld>
             <a:endParaRPr lang="ko-KR" altLang="en-US"/>
           </a:p>
@@ -4806,7 +4637,30 @@
       </p:grpSpPr>
       <p:sp>
         <p:nvSpPr>
-          <p:cNvPr id="2" name="제목 1"/>
+          <p:cNvPr id="3" name="내용 개체 틀 2"/>
+          <p:cNvSpPr>
+            <a:spLocks noGrp="1"/>
+          </p:cNvSpPr>
+          <p:nvPr>
+            <p:ph idx="1"/>
+          </p:nvPr>
+        </p:nvSpPr>
+        <p:spPr/>
+        <p:txBody>
+          <a:bodyPr/>
+          <a:lstStyle/>
+          <a:p>
+            <a:pPr marL="171450" indent="-171450">
+              <a:buFont typeface="Arial" panose="020B0604020202020204" pitchFamily="34" charset="0"/>
+              <a:buChar char="•"/>
+            </a:pPr>
+            <a:endParaRPr lang="ko-KR" altLang="en-US" sz="1600" dirty="0"/>
+          </a:p>
+        </p:txBody>
+      </p:sp>
+      <p:sp>
+        <p:nvSpPr>
+          <p:cNvPr id="4" name="제목 3"/>
           <p:cNvSpPr>
             <a:spLocks noGrp="1"/>
           </p:cNvSpPr>
@@ -4829,265 +4683,22 @@
               <a:rPr lang="ko-KR" altLang="en-US" dirty="0" smtClean="0">
                 <a:ea typeface="나눔바른고딕" panose="020B0603020101020101" pitchFamily="50" charset="-127"/>
               </a:rPr>
-              <a:t>패턴</a:t>
+              <a:t>패턴 </a:t>
+            </a:r>
+            <a:r>
+              <a:rPr lang="ko-KR" altLang="en-US" dirty="0" smtClean="0">
+                <a:ea typeface="나눔바른고딕" panose="020B0603020101020101" pitchFamily="50" charset="-127"/>
+              </a:rPr>
+              <a:t>예제</a:t>
             </a:r>
             <a:endParaRPr lang="ko-KR" altLang="en-US" dirty="0"/>
           </a:p>
         </p:txBody>
       </p:sp>
-      <p:sp>
-        <p:nvSpPr>
-          <p:cNvPr id="5" name="내용 개체 틀 2"/>
-          <p:cNvSpPr txBox="1">
-            <a:spLocks/>
-          </p:cNvSpPr>
-          <p:nvPr/>
-        </p:nvSpPr>
-        <p:spPr>
-          <a:xfrm>
-            <a:off x="612000" y="1233852"/>
-            <a:ext cx="7920000" cy="4525963"/>
-          </a:xfrm>
-          <a:prstGeom prst="rect">
-            <a:avLst/>
-          </a:prstGeom>
-        </p:spPr>
-        <p:txBody>
-          <a:bodyPr/>
-          <a:lstStyle>
-            <a:lvl1pPr marL="0" indent="0" algn="l" defTabSz="180000" rtl="0" eaLnBrk="1" latinLnBrk="1" hangingPunct="1">
-              <a:lnSpc>
-                <a:spcPct val="150000"/>
-              </a:lnSpc>
-              <a:spcBef>
-                <a:spcPts val="300"/>
-              </a:spcBef>
-              <a:buFontTx/>
-              <a:buNone/>
-              <a:tabLst>
-                <a:tab pos="180000" algn="l"/>
-              </a:tabLst>
-              <a:defRPr lang="ko-KR" altLang="en-US" sz="1000" b="0" i="0" kern="1200" spc="0" baseline="0" smtClean="0">
-                <a:solidFill>
-                  <a:schemeClr val="bg1"/>
-                </a:solidFill>
-                <a:latin typeface="+mn-lt"/>
-                <a:ea typeface="+mn-ea"/>
-                <a:cs typeface="+mn-cs"/>
-              </a:defRPr>
-            </a:lvl1pPr>
-            <a:lvl2pPr marL="180000" indent="-180000" algn="l" defTabSz="914400" rtl="0" eaLnBrk="1" latinLnBrk="1" hangingPunct="1">
-              <a:lnSpc>
-                <a:spcPct val="150000"/>
-              </a:lnSpc>
-              <a:spcBef>
-                <a:spcPts val="10"/>
-              </a:spcBef>
-              <a:buFont typeface="+mj-lt"/>
-              <a:buAutoNum type="arabicPeriod"/>
-              <a:defRPr sz="1000" b="0" i="0" kern="1200" spc="0">
-                <a:solidFill>
-                  <a:schemeClr val="bg1"/>
-                </a:solidFill>
-                <a:latin typeface="+mn-lt"/>
-                <a:ea typeface="+mn-ea"/>
-                <a:cs typeface="+mn-cs"/>
-              </a:defRPr>
-            </a:lvl2pPr>
-            <a:lvl3pPr marL="360000" indent="-180000" algn="l" defTabSz="914400" rtl="0" eaLnBrk="1" latinLnBrk="1" hangingPunct="1">
-              <a:lnSpc>
-                <a:spcPct val="150000"/>
-              </a:lnSpc>
-              <a:spcBef>
-                <a:spcPts val="10"/>
-              </a:spcBef>
-              <a:buFont typeface="+mj-lt"/>
-              <a:buAutoNum type="arabicParenR"/>
-              <a:defRPr sz="1000" kern="1200">
-                <a:solidFill>
-                  <a:schemeClr val="bg1"/>
-                </a:solidFill>
-                <a:latin typeface="+mn-lt"/>
-                <a:ea typeface="+mn-ea"/>
-                <a:cs typeface="+mn-cs"/>
-              </a:defRPr>
-            </a:lvl3pPr>
-            <a:lvl4pPr marL="648000" indent="-180000" algn="l" defTabSz="914400" rtl="0" eaLnBrk="1" latinLnBrk="1" hangingPunct="1">
-              <a:lnSpc>
-                <a:spcPct val="150000"/>
-              </a:lnSpc>
-              <a:spcBef>
-                <a:spcPts val="10"/>
-              </a:spcBef>
-              <a:buFont typeface="+mj-ea"/>
-              <a:buAutoNum type="circleNumDbPlain"/>
-              <a:defRPr sz="1000" b="0" i="0" kern="1200" spc="0">
-                <a:solidFill>
-                  <a:schemeClr val="bg1"/>
-                </a:solidFill>
-                <a:latin typeface="+mn-lt"/>
-                <a:ea typeface="+mn-ea"/>
-                <a:cs typeface="+mn-cs"/>
-              </a:defRPr>
-            </a:lvl4pPr>
-            <a:lvl5pPr marL="648000" indent="108000" algn="l" defTabSz="914400" rtl="0" eaLnBrk="1" latinLnBrk="1" hangingPunct="1">
-              <a:lnSpc>
-                <a:spcPct val="150000"/>
-              </a:lnSpc>
-              <a:spcBef>
-                <a:spcPts val="100"/>
-              </a:spcBef>
-              <a:buFont typeface="Arial" panose="020B0604020202020204" pitchFamily="34" charset="0"/>
-              <a:buChar char="•"/>
-              <a:defRPr sz="1000" kern="1200">
-                <a:solidFill>
-                  <a:schemeClr val="bg1"/>
-                </a:solidFill>
-                <a:latin typeface="+mn-lt"/>
-                <a:ea typeface="+mn-ea"/>
-                <a:cs typeface="+mn-cs"/>
-              </a:defRPr>
-            </a:lvl5pPr>
-            <a:lvl6pPr marL="900000" indent="0" algn="l" defTabSz="914400" rtl="0" eaLnBrk="1" latinLnBrk="1" hangingPunct="1">
-              <a:lnSpc>
-                <a:spcPct val="150000"/>
-              </a:lnSpc>
-              <a:spcBef>
-                <a:spcPts val="10"/>
-              </a:spcBef>
-              <a:buFontTx/>
-              <a:buNone/>
-              <a:defRPr sz="1000" kern="1200">
-                <a:solidFill>
-                  <a:schemeClr val="bg1"/>
-                </a:solidFill>
-                <a:latin typeface="+mn-lt"/>
-                <a:ea typeface="+mn-ea"/>
-                <a:cs typeface="+mn-cs"/>
-              </a:defRPr>
-            </a:lvl6pPr>
-            <a:lvl7pPr marL="2971800" indent="-228600" algn="l" defTabSz="914400" rtl="0" eaLnBrk="1" latinLnBrk="1" hangingPunct="1">
-              <a:spcBef>
-                <a:spcPct val="20000"/>
-              </a:spcBef>
-              <a:buFont typeface="Arial" panose="020B0604020202020204" pitchFamily="34" charset="0"/>
-              <a:buChar char="•"/>
-              <a:defRPr sz="2000" kern="1200">
-                <a:solidFill>
-                  <a:schemeClr val="tx1"/>
-                </a:solidFill>
-                <a:latin typeface="+mn-lt"/>
-                <a:ea typeface="+mn-ea"/>
-                <a:cs typeface="+mn-cs"/>
-              </a:defRPr>
-            </a:lvl7pPr>
-            <a:lvl8pPr marL="3429000" indent="-228600" algn="l" defTabSz="914400" rtl="0" eaLnBrk="1" latinLnBrk="1" hangingPunct="1">
-              <a:spcBef>
-                <a:spcPct val="20000"/>
-              </a:spcBef>
-              <a:buFont typeface="Arial" panose="020B0604020202020204" pitchFamily="34" charset="0"/>
-              <a:buChar char="•"/>
-              <a:defRPr sz="2000" kern="1200">
-                <a:solidFill>
-                  <a:schemeClr val="tx1"/>
-                </a:solidFill>
-                <a:latin typeface="+mn-lt"/>
-                <a:ea typeface="+mn-ea"/>
-                <a:cs typeface="+mn-cs"/>
-              </a:defRPr>
-            </a:lvl8pPr>
-            <a:lvl9pPr marL="3886200" indent="-228600" algn="l" defTabSz="914400" rtl="0" eaLnBrk="1" latinLnBrk="1" hangingPunct="1">
-              <a:spcBef>
-                <a:spcPct val="20000"/>
-              </a:spcBef>
-              <a:buFont typeface="Arial" panose="020B0604020202020204" pitchFamily="34" charset="0"/>
-              <a:buChar char="•"/>
-              <a:defRPr sz="2000" kern="1200">
-                <a:solidFill>
-                  <a:schemeClr val="tx1"/>
-                </a:solidFill>
-                <a:latin typeface="+mn-lt"/>
-                <a:ea typeface="+mn-ea"/>
-                <a:cs typeface="+mn-cs"/>
-              </a:defRPr>
-            </a:lvl9pPr>
-          </a:lstStyle>
-          <a:p>
-            <a:r>
-              <a:rPr lang="ko-KR" altLang="en-US" sz="1600" dirty="0"/>
-              <a:t>객체들의 관계를 트리 구조로 구성하여 부분</a:t>
-            </a:r>
-            <a:r>
-              <a:rPr lang="en-US" altLang="ko-KR" sz="1600" dirty="0"/>
-              <a:t>-</a:t>
-            </a:r>
-            <a:r>
-              <a:rPr lang="ko-KR" altLang="en-US" sz="1600" dirty="0"/>
-              <a:t>전체 계층을 표현하는 패턴으로</a:t>
-            </a:r>
-            <a:r>
-              <a:rPr lang="en-US" altLang="ko-KR" sz="1600" dirty="0"/>
-              <a:t>, </a:t>
-            </a:r>
-            <a:r>
-              <a:rPr lang="ko-KR" altLang="en-US" sz="1600" dirty="0"/>
-              <a:t>사용자가 단일 객체와 복합 객체 모두 동일하게 다루도록 한다</a:t>
-            </a:r>
-            <a:r>
-              <a:rPr lang="en-US" altLang="ko-KR" sz="1600" dirty="0"/>
-              <a:t>.</a:t>
-            </a:r>
-            <a:endParaRPr lang="ko-KR" altLang="en-US" sz="1600" dirty="0"/>
-          </a:p>
-        </p:txBody>
-      </p:sp>
-      <p:pic>
-        <p:nvPicPr>
-          <p:cNvPr id="1026" name="Picture 2" descr="C:\Users\Administrator\Downloads\960px-Composite_UML_class_diagram_(fixed).svg.png"/>
-          <p:cNvPicPr>
-            <a:picLocks noChangeAspect="1" noChangeArrowheads="1"/>
-          </p:cNvPicPr>
-          <p:nvPr/>
-        </p:nvPicPr>
-        <p:blipFill>
-          <a:blip r:embed="rId3">
-            <a:extLst>
-              <a:ext uri="{28A0092B-C50C-407E-A947-70E740481C1C}">
-                <a14:useLocalDpi xmlns:a14="http://schemas.microsoft.com/office/drawing/2010/main" val="0"/>
-              </a:ext>
-            </a:extLst>
-          </a:blip>
-          <a:srcRect/>
-          <a:stretch>
-            <a:fillRect/>
-          </a:stretch>
-        </p:blipFill>
-        <p:spPr bwMode="auto">
-          <a:xfrm>
-            <a:off x="1979712" y="2550959"/>
-            <a:ext cx="4968552" cy="3208856"/>
-          </a:xfrm>
-          <a:prstGeom prst="roundRect">
-            <a:avLst>
-              <a:gd name="adj" fmla="val 8594"/>
-            </a:avLst>
-          </a:prstGeom>
-          <a:solidFill>
-            <a:srgbClr val="FFFFFF">
-              <a:shade val="85000"/>
-            </a:srgbClr>
-          </a:solidFill>
-          <a:ln>
-            <a:noFill/>
-          </a:ln>
-          <a:effectLst/>
-          <a:extLst/>
-        </p:spPr>
-      </p:pic>
     </p:spTree>
     <p:extLst>
       <p:ext uri="{BB962C8B-B14F-4D97-AF65-F5344CB8AC3E}">
-        <p14:creationId xmlns:p14="http://schemas.microsoft.com/office/powerpoint/2010/main" val="209503365"/>
+        <p14:creationId xmlns:p14="http://schemas.microsoft.com/office/powerpoint/2010/main" val="411258317"/>
       </p:ext>
     </p:extLst>
   </p:cSld>
@@ -5143,16 +4754,12 @@
               <a:t>Façade </a:t>
             </a:r>
             <a:r>
-              <a:rPr lang="ko-KR" altLang="en-US" dirty="0" smtClean="0">
-                <a:ea typeface="나눔바른고딕" panose="020B0603020101020101" pitchFamily="50" charset="-127"/>
-              </a:rPr>
-              <a:t>패턴 </a:t>
-            </a:r>
-            <a:r>
-              <a:rPr lang="ko-KR" altLang="en-US" dirty="0" smtClean="0">
-                <a:ea typeface="나눔바른고딕" panose="020B0603020101020101" pitchFamily="50" charset="-127"/>
-              </a:rPr>
-              <a:t>예제</a:t>
+              <a:rPr lang="ko-KR" altLang="en-US" dirty="0" smtClean="0"/>
+              <a:t>패턴 장</a:t>
+            </a:r>
+            <a:r>
+              <a:rPr lang="ko-KR" altLang="en-US" dirty="0"/>
+              <a:t>점</a:t>
             </a:r>
             <a:endParaRPr lang="ko-KR" altLang="en-US" dirty="0"/>
           </a:p>
@@ -5160,190 +4767,185 @@
       </p:sp>
       <p:sp>
         <p:nvSpPr>
-          <p:cNvPr id="5" name="내용 개체 틀 2"/>
-          <p:cNvSpPr txBox="1">
-            <a:spLocks/>
+          <p:cNvPr id="3" name="내용 개체 틀 2"/>
+          <p:cNvSpPr>
+            <a:spLocks noGrp="1"/>
           </p:cNvSpPr>
-          <p:nvPr/>
+          <p:nvPr>
+            <p:ph idx="1"/>
+          </p:nvPr>
         </p:nvSpPr>
-        <p:spPr>
-          <a:xfrm>
-            <a:off x="612000" y="1233852"/>
-            <a:ext cx="7920000" cy="4525963"/>
-          </a:xfrm>
-          <a:prstGeom prst="rect">
-            <a:avLst/>
-          </a:prstGeom>
-        </p:spPr>
+        <p:spPr/>
         <p:txBody>
           <a:bodyPr/>
-          <a:lstStyle>
-            <a:lvl1pPr marL="0" indent="0" algn="l" defTabSz="180000" rtl="0" eaLnBrk="1" latinLnBrk="1" hangingPunct="1">
-              <a:lnSpc>
-                <a:spcPct val="150000"/>
-              </a:lnSpc>
-              <a:spcBef>
-                <a:spcPts val="300"/>
-              </a:spcBef>
-              <a:buFontTx/>
-              <a:buNone/>
-              <a:tabLst>
-                <a:tab pos="180000" algn="l"/>
-              </a:tabLst>
-              <a:defRPr lang="ko-KR" altLang="en-US" sz="1000" b="0" i="0" kern="1200" spc="0" baseline="0" smtClean="0">
-                <a:solidFill>
-                  <a:schemeClr val="bg1"/>
-                </a:solidFill>
-                <a:latin typeface="+mn-lt"/>
-                <a:ea typeface="+mn-ea"/>
-                <a:cs typeface="+mn-cs"/>
-              </a:defRPr>
-            </a:lvl1pPr>
-            <a:lvl2pPr marL="180000" indent="-180000" algn="l" defTabSz="914400" rtl="0" eaLnBrk="1" latinLnBrk="1" hangingPunct="1">
-              <a:lnSpc>
-                <a:spcPct val="150000"/>
-              </a:lnSpc>
-              <a:spcBef>
-                <a:spcPts val="10"/>
-              </a:spcBef>
-              <a:buFont typeface="+mj-lt"/>
-              <a:buAutoNum type="arabicPeriod"/>
-              <a:defRPr sz="1000" b="0" i="0" kern="1200" spc="0">
-                <a:solidFill>
-                  <a:schemeClr val="bg1"/>
-                </a:solidFill>
-                <a:latin typeface="+mn-lt"/>
-                <a:ea typeface="+mn-ea"/>
-                <a:cs typeface="+mn-cs"/>
-              </a:defRPr>
-            </a:lvl2pPr>
-            <a:lvl3pPr marL="360000" indent="-180000" algn="l" defTabSz="914400" rtl="0" eaLnBrk="1" latinLnBrk="1" hangingPunct="1">
-              <a:lnSpc>
-                <a:spcPct val="150000"/>
-              </a:lnSpc>
-              <a:spcBef>
-                <a:spcPts val="10"/>
-              </a:spcBef>
-              <a:buFont typeface="+mj-lt"/>
-              <a:buAutoNum type="arabicParenR"/>
-              <a:defRPr sz="1000" kern="1200">
-                <a:solidFill>
-                  <a:schemeClr val="bg1"/>
-                </a:solidFill>
-                <a:latin typeface="+mn-lt"/>
-                <a:ea typeface="+mn-ea"/>
-                <a:cs typeface="+mn-cs"/>
-              </a:defRPr>
-            </a:lvl3pPr>
-            <a:lvl4pPr marL="648000" indent="-180000" algn="l" defTabSz="914400" rtl="0" eaLnBrk="1" latinLnBrk="1" hangingPunct="1">
-              <a:lnSpc>
-                <a:spcPct val="150000"/>
-              </a:lnSpc>
-              <a:spcBef>
-                <a:spcPts val="10"/>
-              </a:spcBef>
-              <a:buFont typeface="+mj-ea"/>
-              <a:buAutoNum type="circleNumDbPlain"/>
-              <a:defRPr sz="1000" b="0" i="0" kern="1200" spc="0">
-                <a:solidFill>
-                  <a:schemeClr val="bg1"/>
-                </a:solidFill>
-                <a:latin typeface="+mn-lt"/>
-                <a:ea typeface="+mn-ea"/>
-                <a:cs typeface="+mn-cs"/>
-              </a:defRPr>
-            </a:lvl4pPr>
-            <a:lvl5pPr marL="648000" indent="108000" algn="l" defTabSz="914400" rtl="0" eaLnBrk="1" latinLnBrk="1" hangingPunct="1">
-              <a:lnSpc>
-                <a:spcPct val="150000"/>
-              </a:lnSpc>
-              <a:spcBef>
-                <a:spcPts val="100"/>
-              </a:spcBef>
+          <a:lstStyle/>
+          <a:p>
+            <a:pPr marL="285750" indent="-285750">
               <a:buFont typeface="Arial" panose="020B0604020202020204" pitchFamily="34" charset="0"/>
               <a:buChar char="•"/>
-              <a:defRPr sz="1000" kern="1200">
-                <a:solidFill>
-                  <a:schemeClr val="bg1"/>
-                </a:solidFill>
-                <a:latin typeface="+mn-lt"/>
-                <a:ea typeface="+mn-ea"/>
-                <a:cs typeface="+mn-cs"/>
-              </a:defRPr>
-            </a:lvl5pPr>
-            <a:lvl6pPr marL="900000" indent="0" algn="l" defTabSz="914400" rtl="0" eaLnBrk="1" latinLnBrk="1" hangingPunct="1">
-              <a:lnSpc>
-                <a:spcPct val="150000"/>
-              </a:lnSpc>
-              <a:spcBef>
-                <a:spcPts val="10"/>
-              </a:spcBef>
-              <a:buFontTx/>
-              <a:buNone/>
-              <a:defRPr sz="1000" kern="1200">
-                <a:solidFill>
-                  <a:schemeClr val="bg1"/>
-                </a:solidFill>
-                <a:latin typeface="+mn-lt"/>
-                <a:ea typeface="+mn-ea"/>
-                <a:cs typeface="+mn-cs"/>
-              </a:defRPr>
-            </a:lvl6pPr>
-            <a:lvl7pPr marL="2971800" indent="-228600" algn="l" defTabSz="914400" rtl="0" eaLnBrk="1" latinLnBrk="1" hangingPunct="1">
-              <a:spcBef>
-                <a:spcPct val="20000"/>
-              </a:spcBef>
+            </a:pPr>
+            <a:r>
+              <a:rPr lang="ko-KR" altLang="en-US" sz="1600" dirty="0" err="1"/>
+              <a:t>퍼사드는</a:t>
+            </a:r>
+            <a:r>
+              <a:rPr lang="ko-KR" altLang="en-US" sz="1600" dirty="0"/>
+              <a:t> 소프트웨어 라이브러리를 쉽게 사용할 수 있게 해준다</a:t>
+            </a:r>
+            <a:r>
+              <a:rPr lang="en-US" altLang="ko-KR" sz="1600" dirty="0"/>
+              <a:t>. </a:t>
+            </a:r>
+            <a:r>
+              <a:rPr lang="en-US" altLang="ko-KR" sz="1600" dirty="0" smtClean="0"/>
+              <a:t/>
+            </a:r>
+            <a:br>
+              <a:rPr lang="en-US" altLang="ko-KR" sz="1600" dirty="0" smtClean="0"/>
+            </a:br>
+            <a:r>
+              <a:rPr lang="ko-KR" altLang="en-US" sz="1600" dirty="0" smtClean="0"/>
+              <a:t>또한 </a:t>
+            </a:r>
+            <a:r>
+              <a:rPr lang="ko-KR" altLang="en-US" sz="1600" dirty="0" err="1"/>
+              <a:t>퍼사드는</a:t>
+            </a:r>
+            <a:r>
+              <a:rPr lang="ko-KR" altLang="en-US" sz="1600" dirty="0"/>
+              <a:t> 소프트웨어 라이브러리를 쉽게 이해할 수 있게 해 준다</a:t>
+            </a:r>
+            <a:r>
+              <a:rPr lang="en-US" altLang="ko-KR" sz="1600" dirty="0"/>
+              <a:t>. </a:t>
+            </a:r>
+            <a:endParaRPr lang="en-US" altLang="ko-KR" sz="1600" dirty="0" smtClean="0"/>
+          </a:p>
+          <a:p>
+            <a:pPr marL="285750" indent="-285750">
               <a:buFont typeface="Arial" panose="020B0604020202020204" pitchFamily="34" charset="0"/>
               <a:buChar char="•"/>
-              <a:defRPr sz="2000" kern="1200">
-                <a:solidFill>
-                  <a:schemeClr val="tx1"/>
-                </a:solidFill>
-                <a:latin typeface="+mn-lt"/>
-                <a:ea typeface="+mn-ea"/>
-                <a:cs typeface="+mn-cs"/>
-              </a:defRPr>
-            </a:lvl7pPr>
-            <a:lvl8pPr marL="3429000" indent="-228600" algn="l" defTabSz="914400" rtl="0" eaLnBrk="1" latinLnBrk="1" hangingPunct="1">
-              <a:spcBef>
-                <a:spcPct val="20000"/>
-              </a:spcBef>
+            </a:pPr>
+            <a:r>
+              <a:rPr lang="ko-KR" altLang="en-US" sz="1600" dirty="0" err="1"/>
+              <a:t>퍼사드는</a:t>
+            </a:r>
+            <a:r>
+              <a:rPr lang="ko-KR" altLang="en-US" sz="1600" dirty="0"/>
+              <a:t> 공통적인 작업에 대해 간편한 </a:t>
+            </a:r>
+            <a:r>
+              <a:rPr lang="ko-KR" altLang="en-US" sz="1600" dirty="0" err="1"/>
+              <a:t>메소드들을</a:t>
+            </a:r>
+            <a:r>
+              <a:rPr lang="ko-KR" altLang="en-US" sz="1600" dirty="0"/>
+              <a:t> 제공해준다</a:t>
+            </a:r>
+            <a:r>
+              <a:rPr lang="en-US" altLang="ko-KR" sz="1600" dirty="0" smtClean="0"/>
+              <a:t>.</a:t>
+            </a:r>
+          </a:p>
+          <a:p>
+            <a:pPr marL="285750" indent="-285750">
               <a:buFont typeface="Arial" panose="020B0604020202020204" pitchFamily="34" charset="0"/>
               <a:buChar char="•"/>
-              <a:defRPr sz="2000" kern="1200">
-                <a:solidFill>
-                  <a:schemeClr val="tx1"/>
-                </a:solidFill>
-                <a:latin typeface="+mn-lt"/>
-                <a:ea typeface="+mn-ea"/>
-                <a:cs typeface="+mn-cs"/>
-              </a:defRPr>
-            </a:lvl8pPr>
-            <a:lvl9pPr marL="3886200" indent="-228600" algn="l" defTabSz="914400" rtl="0" eaLnBrk="1" latinLnBrk="1" hangingPunct="1">
-              <a:spcBef>
-                <a:spcPct val="20000"/>
-              </a:spcBef>
+            </a:pPr>
+            <a:r>
+              <a:rPr lang="ko-KR" altLang="en-US" sz="1600" dirty="0" err="1"/>
+              <a:t>퍼사드는</a:t>
+            </a:r>
+            <a:r>
+              <a:rPr lang="ko-KR" altLang="en-US" sz="1600" dirty="0"/>
+              <a:t> 라이브러리를 사용하는 코드들을 좀 더 읽기 쉽게 해준다</a:t>
+            </a:r>
+            <a:r>
+              <a:rPr lang="en-US" altLang="ko-KR" sz="1600" dirty="0" smtClean="0"/>
+              <a:t>.</a:t>
+            </a:r>
+          </a:p>
+          <a:p>
+            <a:pPr marL="285750" indent="-285750">
               <a:buFont typeface="Arial" panose="020B0604020202020204" pitchFamily="34" charset="0"/>
               <a:buChar char="•"/>
-              <a:defRPr sz="2000" kern="1200">
-                <a:solidFill>
-                  <a:schemeClr val="tx1"/>
-                </a:solidFill>
-                <a:latin typeface="+mn-lt"/>
-                <a:ea typeface="+mn-ea"/>
-                <a:cs typeface="+mn-cs"/>
-              </a:defRPr>
-            </a:lvl9pPr>
-          </a:lstStyle>
-          <a:p>
-            <a:endParaRPr lang="ko-KR" altLang="en-US" sz="1600" dirty="0"/>
+            </a:pPr>
+            <a:r>
+              <a:rPr lang="ko-KR" altLang="en-US" sz="1600" dirty="0" err="1"/>
+              <a:t>퍼사드는</a:t>
+            </a:r>
+            <a:r>
+              <a:rPr lang="ko-KR" altLang="en-US" sz="1600" dirty="0"/>
+              <a:t> 라이브러리 바깥쪽의 코드가 라이브러리의 안쪽 코드에 의존하는 일을 감소시켜준다</a:t>
+            </a:r>
+            <a:r>
+              <a:rPr lang="en-US" altLang="ko-KR" sz="1600" dirty="0"/>
+              <a:t>. </a:t>
+            </a:r>
+            <a:r>
+              <a:rPr lang="en-US" altLang="ko-KR" sz="1600" dirty="0" smtClean="0"/>
+              <a:t/>
+            </a:r>
+            <a:br>
+              <a:rPr lang="en-US" altLang="ko-KR" sz="1600" dirty="0" smtClean="0"/>
+            </a:br>
+            <a:r>
+              <a:rPr lang="ko-KR" altLang="en-US" sz="1600" dirty="0"/>
+              <a:t>대부분의 바깥쪽의 코드가 </a:t>
+            </a:r>
+            <a:r>
+              <a:rPr lang="ko-KR" altLang="en-US" sz="1600" dirty="0" err="1"/>
+              <a:t>퍼사드를</a:t>
+            </a:r>
+            <a:r>
+              <a:rPr lang="ko-KR" altLang="en-US" sz="1600" dirty="0"/>
+              <a:t> 이용하기 때문에 시스템을 개발하는 데 있어 유연성이 향상된다</a:t>
+            </a:r>
+            <a:r>
+              <a:rPr lang="en-US" altLang="ko-KR" sz="1600" dirty="0" smtClean="0"/>
+              <a:t>.</a:t>
+            </a:r>
+          </a:p>
+          <a:p>
+            <a:pPr marL="285750" indent="-285750">
+              <a:buFont typeface="Arial" panose="020B0604020202020204" pitchFamily="34" charset="0"/>
+              <a:buChar char="•"/>
+            </a:pPr>
+            <a:r>
+              <a:rPr lang="ko-KR" altLang="en-US" sz="1600" dirty="0" err="1"/>
+              <a:t>퍼사드는</a:t>
+            </a:r>
+            <a:r>
+              <a:rPr lang="ko-KR" altLang="en-US" sz="1600" dirty="0"/>
+              <a:t> 좋게 작성되지 않은 </a:t>
+            </a:r>
+            <a:r>
+              <a:rPr lang="en-US" altLang="ko-KR" sz="1600" dirty="0"/>
+              <a:t>API</a:t>
+            </a:r>
+            <a:r>
+              <a:rPr lang="ko-KR" altLang="en-US" sz="1600" dirty="0"/>
+              <a:t>의 집합을 하나의 좋게 작성된 </a:t>
+            </a:r>
+            <a:r>
+              <a:rPr lang="en-US" altLang="ko-KR" sz="1600" dirty="0"/>
+              <a:t>API</a:t>
+            </a:r>
+            <a:r>
+              <a:rPr lang="ko-KR" altLang="en-US" sz="1600" dirty="0"/>
+              <a:t>로 감싸준다</a:t>
+            </a:r>
+            <a:r>
+              <a:rPr lang="en-US" altLang="ko-KR" sz="1600" dirty="0"/>
+              <a:t>.</a:t>
+            </a:r>
           </a:p>
         </p:txBody>
       </p:sp>
     </p:spTree>
     <p:extLst>
       <p:ext uri="{BB962C8B-B14F-4D97-AF65-F5344CB8AC3E}">
-        <p14:creationId xmlns:p14="http://schemas.microsoft.com/office/powerpoint/2010/main" val="1103793897"/>
+        <p14:creationId xmlns:p14="http://schemas.microsoft.com/office/powerpoint/2010/main" val="2260138726"/>
       </p:ext>
     </p:extLst>
   </p:cSld>
@@ -5379,6 +4981,43 @@
       </p:grpSpPr>
       <p:sp>
         <p:nvSpPr>
+          <p:cNvPr id="2" name="제목 1"/>
+          <p:cNvSpPr>
+            <a:spLocks noGrp="1"/>
+          </p:cNvSpPr>
+          <p:nvPr>
+            <p:ph type="title"/>
+          </p:nvPr>
+        </p:nvSpPr>
+        <p:spPr/>
+        <p:txBody>
+          <a:bodyPr/>
+          <a:lstStyle/>
+          <a:p>
+            <a:r>
+              <a:rPr lang="en-US" altLang="ko-KR" dirty="0">
+                <a:ea typeface="나눔바른고딕" panose="020B0603020101020101" pitchFamily="50" charset="-127"/>
+              </a:rPr>
+              <a:t>Façade </a:t>
+            </a:r>
+            <a:r>
+              <a:rPr lang="ko-KR" altLang="en-US" dirty="0" smtClean="0"/>
+              <a:t>패턴 </a:t>
+            </a:r>
+            <a:r>
+              <a:rPr lang="ko-KR" altLang="en-US" dirty="0" smtClean="0"/>
+              <a:t>단</a:t>
+            </a:r>
+            <a:r>
+              <a:rPr lang="ko-KR" altLang="en-US" dirty="0"/>
+              <a:t>점</a:t>
+            </a:r>
+            <a:endParaRPr lang="ko-KR" altLang="en-US" dirty="0"/>
+          </a:p>
+        </p:txBody>
+      </p:sp>
+      <p:sp>
+        <p:nvSpPr>
           <p:cNvPr id="3" name="내용 개체 틀 2"/>
           <p:cNvSpPr>
             <a:spLocks noGrp="1"/>
@@ -5392,77 +5031,82 @@
           <a:bodyPr/>
           <a:lstStyle/>
           <a:p>
-            <a:pPr marL="171450" indent="-171450">
+            <a:pPr marL="285750" indent="-285750">
               <a:buFont typeface="Arial" panose="020B0604020202020204" pitchFamily="34" charset="0"/>
               <a:buChar char="•"/>
             </a:pPr>
             <a:r>
+              <a:rPr lang="ko-KR" altLang="en-US" sz="1600" dirty="0"/>
+              <a:t>다른 구성요소에 대한 </a:t>
+            </a:r>
+            <a:r>
+              <a:rPr lang="ko-KR" altLang="en-US" sz="1600" dirty="0" err="1"/>
+              <a:t>메소드</a:t>
+            </a:r>
+            <a:r>
+              <a:rPr lang="ko-KR" altLang="en-US" sz="1600" dirty="0"/>
+              <a:t> 호출을 처리하기 위해 </a:t>
+            </a:r>
+            <a:r>
+              <a:rPr lang="en-US" altLang="ko-KR" sz="1600" dirty="0"/>
+              <a:t>"</a:t>
+            </a:r>
+            <a:r>
+              <a:rPr lang="ko-KR" altLang="en-US" sz="1600" dirty="0" err="1"/>
+              <a:t>래퍼</a:t>
+            </a:r>
+            <a:r>
+              <a:rPr lang="en-US" altLang="ko-KR" sz="1600" dirty="0"/>
+              <a:t>"</a:t>
+            </a:r>
+            <a:r>
+              <a:rPr lang="ko-KR" altLang="en-US" sz="1600" dirty="0"/>
+              <a:t>클래스를 더 만들게 </a:t>
+            </a:r>
+            <a:r>
               <a:rPr lang="ko-KR" altLang="en-US" sz="1600" dirty="0" smtClean="0"/>
-              <a:t>추상화된 부분과 실제 구현된 부분을 독립적으로 확장할 수 있다</a:t>
+              <a:t>되어서 시스템이 </a:t>
+            </a:r>
+            <a:r>
+              <a:rPr lang="ko-KR" altLang="en-US" sz="1600" dirty="0"/>
+              <a:t>더 복잡해지고</a:t>
+            </a:r>
+            <a:r>
+              <a:rPr lang="en-US" altLang="ko-KR" sz="1600" dirty="0"/>
+              <a:t>, </a:t>
+            </a:r>
+            <a:r>
+              <a:rPr lang="ko-KR" altLang="en-US" sz="1600" dirty="0"/>
+              <a:t>개발시간이 늘어나고</a:t>
+            </a:r>
+            <a:r>
+              <a:rPr lang="en-US" altLang="ko-KR" sz="1600" dirty="0"/>
+              <a:t>, </a:t>
+            </a:r>
+            <a:r>
+              <a:rPr lang="ko-KR" altLang="en-US" sz="1600" dirty="0"/>
+              <a:t>성능이 떨어질 수 있다</a:t>
+            </a:r>
+            <a:r>
+              <a:rPr lang="en-US" altLang="ko-KR" sz="1600" dirty="0"/>
+              <a:t>. (</a:t>
+            </a:r>
+            <a:r>
+              <a:rPr lang="ko-KR" altLang="en-US" sz="1600" dirty="0"/>
+              <a:t>자바의 경우</a:t>
             </a:r>
             <a:r>
               <a:rPr lang="en-US" altLang="ko-KR" sz="1600" dirty="0" smtClean="0"/>
-              <a:t>.</a:t>
-            </a:r>
-          </a:p>
-          <a:p>
-            <a:pPr marL="171450" indent="-171450">
-              <a:buFont typeface="Arial" panose="020B0604020202020204" pitchFamily="34" charset="0"/>
-              <a:buChar char="•"/>
-            </a:pPr>
-            <a:r>
-              <a:rPr lang="ko-KR" altLang="en-US" sz="1600" dirty="0" smtClean="0"/>
-              <a:t>추상화된 부분을 구현한 구상 클래스를 바꿔도 클라이언트 쪽에는 영향을 끼치지 않는다</a:t>
-            </a:r>
-            <a:r>
-              <a:rPr lang="en-US" altLang="ko-KR" sz="1600" dirty="0" smtClean="0"/>
-              <a:t>.</a:t>
-            </a:r>
-            <a:endParaRPr lang="ko-KR" altLang="en-US" sz="1600" dirty="0"/>
-          </a:p>
-        </p:txBody>
-      </p:sp>
-      <p:sp>
-        <p:nvSpPr>
-          <p:cNvPr id="4" name="제목 3"/>
-          <p:cNvSpPr>
-            <a:spLocks noGrp="1"/>
-          </p:cNvSpPr>
-          <p:nvPr>
-            <p:ph type="title"/>
-          </p:nvPr>
-        </p:nvSpPr>
-        <p:spPr/>
-        <p:txBody>
-          <a:bodyPr/>
-          <a:lstStyle/>
-          <a:p>
-            <a:r>
-              <a:rPr lang="en-US" altLang="ko-KR" dirty="0">
-                <a:ea typeface="나눔바른고딕" panose="020B0603020101020101" pitchFamily="50" charset="-127"/>
-              </a:rPr>
-              <a:t>Façade </a:t>
-            </a:r>
-            <a:r>
-              <a:rPr lang="ko-KR" altLang="en-US" dirty="0" smtClean="0">
-                <a:ea typeface="나눔바른고딕" panose="020B0603020101020101" pitchFamily="50" charset="-127"/>
-              </a:rPr>
-              <a:t>패턴 </a:t>
-            </a:r>
-            <a:r>
-              <a:rPr lang="ko-KR" altLang="en-US" dirty="0" smtClean="0">
-                <a:ea typeface="나눔바른고딕" panose="020B0603020101020101" pitchFamily="50" charset="-127"/>
-              </a:rPr>
-              <a:t>예제</a:t>
-            </a:r>
-            <a:endParaRPr lang="ko-KR" altLang="en-US" dirty="0"/>
+              <a:t>)</a:t>
+            </a:r>
+            <a:endParaRPr lang="en-US" altLang="ko-KR" sz="1600" dirty="0"/>
           </a:p>
         </p:txBody>
       </p:sp>
     </p:spTree>
     <p:extLst>
       <p:ext uri="{BB962C8B-B14F-4D97-AF65-F5344CB8AC3E}">
-        <p14:creationId xmlns:p14="http://schemas.microsoft.com/office/powerpoint/2010/main" val="411258317"/>
+        <p14:creationId xmlns:p14="http://schemas.microsoft.com/office/powerpoint/2010/main" val="2495066589"/>
       </p:ext>
     </p:extLst>
   </p:cSld>
@@ -5519,11 +5163,7 @@
             </a:r>
             <a:r>
               <a:rPr lang="ko-KR" altLang="en-US" dirty="0" smtClean="0"/>
-              <a:t>패턴 장</a:t>
-            </a:r>
-            <a:r>
-              <a:rPr lang="ko-KR" altLang="en-US" dirty="0"/>
-              <a:t>점</a:t>
+              <a:t>패턴 사용 예</a:t>
             </a:r>
             <a:endParaRPr lang="ko-KR" altLang="en-US" dirty="0"/>
           </a:p>
@@ -5549,39 +5189,8 @@
               <a:buChar char="•"/>
             </a:pPr>
             <a:r>
-              <a:rPr lang="ko-KR" altLang="en-US" sz="1600" dirty="0" err="1"/>
-              <a:t>퍼사드는</a:t>
-            </a:r>
-            <a:r>
-              <a:rPr lang="ko-KR" altLang="en-US" sz="1600" dirty="0"/>
-              <a:t> 소프트웨어 라이브러리를 쉽게 사용할 수 있게 해준다</a:t>
-            </a:r>
-            <a:r>
-              <a:rPr lang="en-US" altLang="ko-KR" sz="1600" dirty="0"/>
-              <a:t>. </a:t>
-            </a:r>
-            <a:r>
-              <a:rPr lang="en-US" altLang="ko-KR" sz="1600" dirty="0" smtClean="0"/>
-              <a:t/>
-            </a:r>
-            <a:br>
-              <a:rPr lang="en-US" altLang="ko-KR" sz="1600" dirty="0" smtClean="0"/>
-            </a:br>
-            <a:r>
               <a:rPr lang="ko-KR" altLang="en-US" sz="1600" dirty="0" smtClean="0"/>
-              <a:t>또한 </a:t>
-            </a:r>
-            <a:r>
-              <a:rPr lang="ko-KR" altLang="en-US" sz="1600" dirty="0" err="1"/>
-              <a:t>퍼사드는</a:t>
-            </a:r>
-            <a:r>
-              <a:rPr lang="ko-KR" altLang="en-US" sz="1600" dirty="0"/>
-              <a:t> 소프트웨어 라이브러리를 쉽게 이해할 수 있게 해 준다</a:t>
-            </a:r>
-            <a:r>
-              <a:rPr lang="en-US" altLang="ko-KR" sz="1600" dirty="0"/>
-              <a:t>. </a:t>
+              <a:t>복잡한 시스템에 접근하는 데에 단순한 인터페이스가 필요할 때</a:t>
             </a:r>
             <a:endParaRPr lang="en-US" altLang="ko-KR" sz="1600" dirty="0" smtClean="0"/>
           </a:p>
@@ -5590,44 +5199,14 @@
               <a:buFont typeface="Arial" panose="020B0604020202020204" pitchFamily="34" charset="0"/>
               <a:buChar char="•"/>
             </a:pPr>
-            <a:r>
-              <a:rPr lang="ko-KR" altLang="en-US" sz="1600" dirty="0" err="1"/>
-              <a:t>퍼사드는</a:t>
-            </a:r>
-            <a:r>
-              <a:rPr lang="ko-KR" altLang="en-US" sz="1600" dirty="0"/>
-              <a:t> 공통적인 작업에 대해 간편한 </a:t>
-            </a:r>
-            <a:r>
-              <a:rPr lang="ko-KR" altLang="en-US" sz="1600" dirty="0" err="1"/>
-              <a:t>메소드들을</a:t>
-            </a:r>
-            <a:r>
-              <a:rPr lang="ko-KR" altLang="en-US" sz="1600" dirty="0"/>
-              <a:t> 제공해준다</a:t>
-            </a:r>
-            <a:r>
-              <a:rPr lang="en-US" altLang="ko-KR" sz="1600" dirty="0" smtClean="0"/>
-              <a:t>.</a:t>
-            </a:r>
+            <a:endParaRPr lang="en-US" altLang="ko-KR" sz="1600" dirty="0"/>
           </a:p>
           <a:p>
             <a:pPr marL="285750" indent="-285750">
               <a:buFont typeface="Arial" panose="020B0604020202020204" pitchFamily="34" charset="0"/>
               <a:buChar char="•"/>
             </a:pPr>
-            <a:r>
-              <a:rPr lang="ko-KR" altLang="en-US" sz="1600" dirty="0" err="1"/>
-              <a:t>퍼사드는</a:t>
-            </a:r>
-            <a:r>
-              <a:rPr lang="ko-KR" altLang="en-US" sz="1600" dirty="0"/>
-              <a:t> 라이브러리를 사용하는 코드들을 좀 더 읽기 쉽게 해준다</a:t>
-            </a:r>
-            <a:r>
-              <a:rPr lang="en-US" altLang="ko-KR" sz="1600" dirty="0" smtClean="0"/>
-              <a:t>.</a:t>
-            </a:r>
+            <a:endParaRPr lang="en-US" altLang="ko-KR" sz="1600" dirty="0" smtClean="0"/>
           </a:p>
           <a:p>
             <a:pPr marL="285750" indent="-285750">
@@ -5635,81 +5214,49 @@
               <a:buChar char="•"/>
             </a:pPr>
             <a:r>
-              <a:rPr lang="ko-KR" altLang="en-US" sz="1600" dirty="0" err="1"/>
-              <a:t>퍼사드는</a:t>
-            </a:r>
-            <a:r>
-              <a:rPr lang="ko-KR" altLang="en-US" sz="1600" dirty="0"/>
-              <a:t> 라이브러리 바깥쪽의 코드가 라이브러리의 안쪽 코드에 의존하는 일을 감소시켜준다</a:t>
-            </a:r>
-            <a:r>
-              <a:rPr lang="en-US" altLang="ko-KR" sz="1600" dirty="0"/>
-              <a:t>. </a:t>
-            </a:r>
-            <a:r>
               <a:rPr lang="en-US" altLang="ko-KR" sz="1600" dirty="0" smtClean="0"/>
-              <a:t/>
-            </a:r>
-            <a:br>
-              <a:rPr lang="en-US" altLang="ko-KR" sz="1600" dirty="0" smtClean="0"/>
-            </a:br>
-            <a:r>
-              <a:rPr lang="ko-KR" altLang="en-US" sz="1600" dirty="0"/>
-              <a:t>대부분의 바깥쪽의 코드가 </a:t>
-            </a:r>
-            <a:r>
-              <a:rPr lang="ko-KR" altLang="en-US" sz="1600" dirty="0" err="1"/>
-              <a:t>퍼사드를</a:t>
-            </a:r>
-            <a:r>
-              <a:rPr lang="ko-KR" altLang="en-US" sz="1600" dirty="0"/>
-              <a:t> 이용하기 때문에 시스템을 개발하는 데 있어 유연성이 향상된다</a:t>
-            </a:r>
-            <a:r>
-              <a:rPr lang="en-US" altLang="ko-KR" sz="1600" dirty="0" smtClean="0"/>
-              <a:t>.</a:t>
-            </a:r>
+              <a:t>SLF4J</a:t>
+            </a:r>
+          </a:p>
+          <a:p>
+            <a:pPr marL="465750" lvl="1" indent="-285750">
+              <a:buFont typeface="Arial" panose="020B0604020202020204" pitchFamily="34" charset="0"/>
+              <a:buChar char="•"/>
+            </a:pPr>
+            <a:r>
+              <a:rPr lang="ko-KR" altLang="en-US" sz="1600" dirty="0" smtClean="0"/>
+              <a:t>다양한 </a:t>
+            </a:r>
+            <a:r>
+              <a:rPr lang="ko-KR" altLang="en-US" sz="1600" dirty="0" err="1" smtClean="0"/>
+              <a:t>로깅</a:t>
+            </a:r>
+            <a:r>
+              <a:rPr lang="ko-KR" altLang="en-US" sz="1600" dirty="0" smtClean="0"/>
+              <a:t> 프레임워크에 대한 심플한 인터페이스를 제공</a:t>
+            </a:r>
+            <a:endParaRPr lang="en-US" altLang="ko-KR" sz="1600" dirty="0" smtClean="0"/>
           </a:p>
           <a:p>
             <a:pPr marL="285750" indent="-285750">
               <a:buFont typeface="Arial" panose="020B0604020202020204" pitchFamily="34" charset="0"/>
               <a:buChar char="•"/>
             </a:pPr>
-            <a:r>
-              <a:rPr lang="ko-KR" altLang="en-US" sz="1600" dirty="0" err="1"/>
-              <a:t>퍼사드는</a:t>
-            </a:r>
-            <a:r>
-              <a:rPr lang="ko-KR" altLang="en-US" sz="1600" dirty="0"/>
-              <a:t> 좋게 작성되지 않은 </a:t>
-            </a:r>
-            <a:r>
-              <a:rPr lang="en-US" altLang="ko-KR" sz="1600" dirty="0"/>
-              <a:t>API</a:t>
-            </a:r>
-            <a:r>
-              <a:rPr lang="ko-KR" altLang="en-US" sz="1600" dirty="0"/>
-              <a:t>의 집합을 하나의 좋게 작성된 </a:t>
-            </a:r>
-            <a:r>
-              <a:rPr lang="en-US" altLang="ko-KR" sz="1600" dirty="0"/>
-              <a:t>API</a:t>
-            </a:r>
-            <a:r>
-              <a:rPr lang="ko-KR" altLang="en-US" sz="1600" dirty="0"/>
-              <a:t>로 감싸준다</a:t>
-            </a:r>
-            <a:r>
-              <a:rPr lang="en-US" altLang="ko-KR" sz="1600" dirty="0"/>
-              <a:t>.</a:t>
-            </a:r>
+            <a:endParaRPr lang="en-US" altLang="ko-KR" sz="1600" dirty="0" smtClean="0"/>
+          </a:p>
+          <a:p>
+            <a:pPr marL="285750" indent="-285750">
+              <a:buFont typeface="Arial" panose="020B0604020202020204" pitchFamily="34" charset="0"/>
+              <a:buChar char="•"/>
+            </a:pPr>
+            <a:endParaRPr lang="en-US" altLang="ko-KR" sz="1600" dirty="0"/>
           </a:p>
         </p:txBody>
       </p:sp>
     </p:spTree>
     <p:extLst>
       <p:ext uri="{BB962C8B-B14F-4D97-AF65-F5344CB8AC3E}">
-        <p14:creationId xmlns:p14="http://schemas.microsoft.com/office/powerpoint/2010/main" val="2260138726"/>
+        <p14:creationId xmlns:p14="http://schemas.microsoft.com/office/powerpoint/2010/main" val="2577676603"/>
       </p:ext>
     </p:extLst>
   </p:cSld>
@@ -5727,261 +5274,6 @@
 </file>
 
 <file path=ppt/slides/slide7.xml><?xml version="1.0" encoding="utf-8"?>
-<p:sld xmlns:a="http://schemas.openxmlformats.org/drawingml/2006/main" xmlns:r="http://schemas.openxmlformats.org/officeDocument/2006/relationships" xmlns:p="http://schemas.openxmlformats.org/presentationml/2006/main">
-  <p:cSld>
-    <p:spTree>
-      <p:nvGrpSpPr>
-        <p:cNvPr id="1" name=""/>
-        <p:cNvGrpSpPr/>
-        <p:nvPr/>
-      </p:nvGrpSpPr>
-      <p:grpSpPr>
-        <a:xfrm>
-          <a:off x="0" y="0"/>
-          <a:ext cx="0" cy="0"/>
-          <a:chOff x="0" y="0"/>
-          <a:chExt cx="0" cy="0"/>
-        </a:xfrm>
-      </p:grpSpPr>
-      <p:sp>
-        <p:nvSpPr>
-          <p:cNvPr id="2" name="제목 1"/>
-          <p:cNvSpPr>
-            <a:spLocks noGrp="1"/>
-          </p:cNvSpPr>
-          <p:nvPr>
-            <p:ph type="title"/>
-          </p:nvPr>
-        </p:nvSpPr>
-        <p:spPr/>
-        <p:txBody>
-          <a:bodyPr/>
-          <a:lstStyle/>
-          <a:p>
-            <a:r>
-              <a:rPr lang="en-US" altLang="ko-KR" dirty="0">
-                <a:ea typeface="나눔바른고딕" panose="020B0603020101020101" pitchFamily="50" charset="-127"/>
-              </a:rPr>
-              <a:t>Façade </a:t>
-            </a:r>
-            <a:r>
-              <a:rPr lang="ko-KR" altLang="en-US" smtClean="0"/>
-              <a:t>패턴 </a:t>
-            </a:r>
-            <a:r>
-              <a:rPr lang="ko-KR" altLang="en-US" smtClean="0"/>
-              <a:t>단</a:t>
-            </a:r>
-            <a:r>
-              <a:rPr lang="ko-KR" altLang="en-US"/>
-              <a:t>점</a:t>
-            </a:r>
-            <a:endParaRPr lang="ko-KR" altLang="en-US" dirty="0"/>
-          </a:p>
-        </p:txBody>
-      </p:sp>
-      <p:sp>
-        <p:nvSpPr>
-          <p:cNvPr id="3" name="내용 개체 틀 2"/>
-          <p:cNvSpPr>
-            <a:spLocks noGrp="1"/>
-          </p:cNvSpPr>
-          <p:nvPr>
-            <p:ph idx="1"/>
-          </p:nvPr>
-        </p:nvSpPr>
-        <p:spPr/>
-        <p:txBody>
-          <a:bodyPr/>
-          <a:lstStyle/>
-          <a:p>
-            <a:pPr marL="285750" indent="-285750">
-              <a:buFont typeface="Arial" panose="020B0604020202020204" pitchFamily="34" charset="0"/>
-              <a:buChar char="•"/>
-            </a:pPr>
-            <a:r>
-              <a:rPr lang="ko-KR" altLang="en-US" sz="1600" dirty="0" err="1"/>
-              <a:t>퍼사드는</a:t>
-            </a:r>
-            <a:r>
-              <a:rPr lang="ko-KR" altLang="en-US" sz="1600" dirty="0"/>
-              <a:t> 소프트웨어 라이브러리를 쉽게 사용할 수 있게 해준다</a:t>
-            </a:r>
-            <a:r>
-              <a:rPr lang="en-US" altLang="ko-KR" sz="1600" dirty="0"/>
-              <a:t>.</a:t>
-            </a:r>
-            <a:r>
-              <a:rPr lang="en-US" altLang="ko-KR" sz="1600"/>
-              <a:t> </a:t>
-            </a:r>
-            <a:r>
-              <a:rPr lang="en-US" altLang="ko-KR" sz="1600" smtClean="0"/>
-              <a:t/>
-            </a:r>
-            <a:br>
-              <a:rPr lang="en-US" altLang="ko-KR" sz="1600" smtClean="0"/>
-            </a:br>
-            <a:r>
-              <a:rPr lang="ko-KR" altLang="en-US" sz="1600" smtClean="0"/>
-              <a:t>또한 </a:t>
-            </a:r>
-            <a:r>
-              <a:rPr lang="ko-KR" altLang="en-US" sz="1600" dirty="0" err="1"/>
-              <a:t>퍼사드는</a:t>
-            </a:r>
-            <a:r>
-              <a:rPr lang="ko-KR" altLang="en-US" sz="1600" dirty="0"/>
-              <a:t> 소프트웨어 라이브러리를 쉽게 이해할 수 있게 해 준다</a:t>
-            </a:r>
-            <a:r>
-              <a:rPr lang="en-US" altLang="ko-KR" sz="1600" dirty="0"/>
-              <a:t>. </a:t>
-            </a:r>
-            <a:endParaRPr lang="en-US" altLang="ko-KR" sz="1600" dirty="0" smtClean="0"/>
-          </a:p>
-          <a:p>
-            <a:pPr marL="285750" indent="-285750">
-              <a:buFont typeface="Arial" panose="020B0604020202020204" pitchFamily="34" charset="0"/>
-              <a:buChar char="•"/>
-            </a:pPr>
-            <a:r>
-              <a:rPr lang="ko-KR" altLang="en-US" sz="1600" dirty="0" err="1"/>
-              <a:t>퍼사드는</a:t>
-            </a:r>
-            <a:r>
-              <a:rPr lang="ko-KR" altLang="en-US" sz="1600" dirty="0"/>
-              <a:t> 공통적인 작업에 대해 간편한 </a:t>
-            </a:r>
-            <a:r>
-              <a:rPr lang="ko-KR" altLang="en-US" sz="1600" dirty="0" err="1"/>
-              <a:t>메소드들을</a:t>
-            </a:r>
-            <a:r>
-              <a:rPr lang="ko-KR" altLang="en-US" sz="1600" dirty="0"/>
-              <a:t> 제공해준다</a:t>
-            </a:r>
-            <a:r>
-              <a:rPr lang="en-US" altLang="ko-KR" sz="1600" dirty="0" smtClean="0"/>
-              <a:t>.</a:t>
-            </a:r>
-          </a:p>
-          <a:p>
-            <a:pPr marL="285750" indent="-285750">
-              <a:buFont typeface="Arial" panose="020B0604020202020204" pitchFamily="34" charset="0"/>
-              <a:buChar char="•"/>
-            </a:pPr>
-            <a:r>
-              <a:rPr lang="ko-KR" altLang="en-US" sz="1600" dirty="0" err="1"/>
-              <a:t>퍼사드는</a:t>
-            </a:r>
-            <a:r>
-              <a:rPr lang="ko-KR" altLang="en-US" sz="1600" dirty="0"/>
-              <a:t> 라이브러리를 사용하는 코드들을 좀 더 읽기 쉽게 해준다</a:t>
-            </a:r>
-            <a:r>
-              <a:rPr lang="en-US" altLang="ko-KR" sz="1600" dirty="0" smtClean="0"/>
-              <a:t>.</a:t>
-            </a:r>
-          </a:p>
-          <a:p>
-            <a:pPr marL="285750" indent="-285750">
-              <a:buFont typeface="Arial" panose="020B0604020202020204" pitchFamily="34" charset="0"/>
-              <a:buChar char="•"/>
-            </a:pPr>
-            <a:r>
-              <a:rPr lang="ko-KR" altLang="en-US" sz="1600" dirty="0" err="1"/>
-              <a:t>퍼사드는</a:t>
-            </a:r>
-            <a:r>
-              <a:rPr lang="ko-KR" altLang="en-US" sz="1600" dirty="0"/>
-              <a:t> 라이브러리 바깥쪽의 코드가 라이브러리의 안쪽 코드에 의존하는 일을 감소시켜준다</a:t>
-            </a:r>
-            <a:r>
-              <a:rPr lang="en-US" altLang="ko-KR" sz="1600" dirty="0"/>
-              <a:t>. </a:t>
-            </a:r>
-            <a:r>
-              <a:rPr lang="en-US" altLang="ko-KR" sz="1600" dirty="0" smtClean="0"/>
-              <a:t/>
-            </a:r>
-            <a:br>
-              <a:rPr lang="en-US" altLang="ko-KR" sz="1600" dirty="0" smtClean="0"/>
-            </a:br>
-            <a:r>
-              <a:rPr lang="ko-KR" altLang="en-US" sz="1600" dirty="0"/>
-              <a:t>대부분의 바깥쪽의 코드가 </a:t>
-            </a:r>
-            <a:r>
-              <a:rPr lang="ko-KR" altLang="en-US" sz="1600" dirty="0" err="1"/>
-              <a:t>퍼사드를</a:t>
-            </a:r>
-            <a:r>
-              <a:rPr lang="ko-KR" altLang="en-US" sz="1600" dirty="0"/>
-              <a:t> 이용하기 때문에 시스템을 개발하는 데 있어 유연성이 향상된다</a:t>
-            </a:r>
-            <a:r>
-              <a:rPr lang="en-US" altLang="ko-KR" sz="1600" dirty="0" smtClean="0"/>
-              <a:t>.</a:t>
-            </a:r>
-          </a:p>
-          <a:p>
-            <a:pPr marL="285750" indent="-285750">
-              <a:buFont typeface="Arial" panose="020B0604020202020204" pitchFamily="34" charset="0"/>
-              <a:buChar char="•"/>
-            </a:pPr>
-            <a:r>
-              <a:rPr lang="ko-KR" altLang="en-US" sz="1600" dirty="0" err="1"/>
-              <a:t>퍼사드는</a:t>
-            </a:r>
-            <a:r>
-              <a:rPr lang="ko-KR" altLang="en-US" sz="1600" dirty="0"/>
-              <a:t> 좋게 작성되지 않은 </a:t>
-            </a:r>
-            <a:r>
-              <a:rPr lang="en-US" altLang="ko-KR" sz="1600" dirty="0"/>
-              <a:t>API</a:t>
-            </a:r>
-            <a:r>
-              <a:rPr lang="ko-KR" altLang="en-US" sz="1600" dirty="0"/>
-              <a:t>의 집합을 하나의 좋게 작성된 </a:t>
-            </a:r>
-            <a:r>
-              <a:rPr lang="en-US" altLang="ko-KR" sz="1600" dirty="0"/>
-              <a:t>API</a:t>
-            </a:r>
-            <a:r>
-              <a:rPr lang="ko-KR" altLang="en-US" sz="1600" dirty="0"/>
-              <a:t>로 감싸준다</a:t>
-            </a:r>
-            <a:r>
-              <a:rPr lang="en-US" altLang="ko-KR" sz="1600" dirty="0"/>
-              <a:t>.</a:t>
-            </a:r>
-          </a:p>
-        </p:txBody>
-      </p:sp>
-    </p:spTree>
-    <p:extLst>
-      <p:ext uri="{BB962C8B-B14F-4D97-AF65-F5344CB8AC3E}">
-        <p14:creationId xmlns:p14="http://schemas.microsoft.com/office/powerpoint/2010/main" val="2495066589"/>
-      </p:ext>
-    </p:extLst>
-  </p:cSld>
-  <p:clrMapOvr>
-    <a:masterClrMapping/>
-  </p:clrMapOvr>
-  <p:timing>
-    <p:tnLst>
-      <p:par>
-        <p:cTn id="1" dur="indefinite" restart="never" nodeType="tmRoot"/>
-      </p:par>
-    </p:tnLst>
-  </p:timing>
-</p:sld>
-</file>
-
-<file path=ppt/slides/slide8.xml><?xml version="1.0" encoding="utf-8"?>
 <p:sld xmlns:a="http://schemas.openxmlformats.org/drawingml/2006/main" xmlns:r="http://schemas.openxmlformats.org/officeDocument/2006/relationships" xmlns:p="http://schemas.openxmlformats.org/presentationml/2006/main">
   <p:cSld>
     <p:spTree>

--- a/src/_ppt/ch15.pptx
+++ b/src/_ppt/ch15.pptx
@@ -118,7 +118,7 @@
   </p:defaultTextStyle>
   <p:extLst>
     <p:ext uri="{EFAFB233-063F-42B5-8137-9DF3F51BA10A}">
-      <p15:sldGuideLst xmlns:p15="http://schemas.microsoft.com/office/powerpoint/2012/main">
+      <p15:sldGuideLst xmlns:p15="http://schemas.microsoft.com/office/powerpoint/2012/main" xmlns="">
         <p15:guide id="1" orient="horz" pos="2160">
           <p15:clr>
             <a:srgbClr val="A4A3A4"/>
@@ -132,7 +132,7 @@
       </p15:sldGuideLst>
     </p:ext>
     <p:ext uri="{2D200454-40CA-4A62-9FC3-DE9A4176ACB9}">
-      <p15:notesGuideLst xmlns:p15="http://schemas.microsoft.com/office/powerpoint/2012/main">
+      <p15:notesGuideLst xmlns:p15="http://schemas.microsoft.com/office/powerpoint/2012/main" xmlns="">
         <p15:guide id="1" orient="horz" pos="2880">
           <p15:clr>
             <a:srgbClr val="A4A3A4"/>
@@ -4683,13 +4683,7 @@
               <a:rPr lang="ko-KR" altLang="en-US" dirty="0" smtClean="0">
                 <a:ea typeface="나눔바른고딕" panose="020B0603020101020101" pitchFamily="50" charset="-127"/>
               </a:rPr>
-              <a:t>패턴 </a:t>
-            </a:r>
-            <a:r>
-              <a:rPr lang="ko-KR" altLang="en-US" dirty="0" smtClean="0">
-                <a:ea typeface="나눔바른고딕" panose="020B0603020101020101" pitchFamily="50" charset="-127"/>
-              </a:rPr>
-              <a:t>예제</a:t>
+              <a:t>패턴 예제</a:t>
             </a:r>
             <a:endParaRPr lang="ko-KR" altLang="en-US" dirty="0"/>
           </a:p>
@@ -4761,7 +4755,6 @@
               <a:rPr lang="ko-KR" altLang="en-US" dirty="0"/>
               <a:t>점</a:t>
             </a:r>
-            <a:endParaRPr lang="ko-KR" altLang="en-US" dirty="0"/>
           </a:p>
         </p:txBody>
       </p:sp>
@@ -4883,15 +4876,12 @@
               <a:t>. </a:t>
             </a:r>
             <a:r>
-              <a:rPr lang="en-US" altLang="ko-KR" sz="1600" dirty="0" smtClean="0"/>
-              <a:t/>
-            </a:r>
-            <a:br>
-              <a:rPr lang="en-US" altLang="ko-KR" sz="1600" dirty="0" smtClean="0"/>
-            </a:br>
+              <a:rPr lang="ko-KR" altLang="en-US" sz="1600" dirty="0" smtClean="0"/>
+              <a:t>대부분의 </a:t>
+            </a:r>
             <a:r>
               <a:rPr lang="ko-KR" altLang="en-US" sz="1600" dirty="0"/>
-              <a:t>대부분의 바깥쪽의 코드가 </a:t>
+              <a:t>바깥쪽의 코드가 </a:t>
             </a:r>
             <a:r>
               <a:rPr lang="ko-KR" altLang="en-US" sz="1600" dirty="0" err="1"/>
@@ -4905,6 +4895,13 @@
               <a:rPr lang="en-US" altLang="ko-KR" sz="1600" dirty="0" smtClean="0"/>
               <a:t>.</a:t>
             </a:r>
+          </a:p>
+          <a:p>
+            <a:pPr marL="285750" indent="-285750">
+              <a:buFont typeface="Arial" panose="020B0604020202020204" pitchFamily="34" charset="0"/>
+              <a:buChar char="•"/>
+            </a:pPr>
+            <a:endParaRPr lang="en-US" altLang="ko-KR" sz="1600" dirty="0" smtClean="0"/>
           </a:p>
           <a:p>
             <a:pPr marL="285750" indent="-285750">
@@ -5002,17 +4999,12 @@
             </a:r>
             <a:r>
               <a:rPr lang="ko-KR" altLang="en-US" dirty="0" smtClean="0"/>
-              <a:t>패턴 </a:t>
-            </a:r>
-            <a:r>
-              <a:rPr lang="ko-KR" altLang="en-US" dirty="0" smtClean="0"/>
-              <a:t>단</a:t>
+              <a:t>패턴 단</a:t>
             </a:r>
             <a:r>
               <a:rPr lang="ko-KR" altLang="en-US" dirty="0"/>
               <a:t>점</a:t>
             </a:r>
-            <a:endParaRPr lang="ko-KR" altLang="en-US" dirty="0"/>
           </a:p>
         </p:txBody>
       </p:sp>
